--- a/slides/classtwelve/slides.pptx
+++ b/slides/classtwelve/slides.pptx
@@ -5,7 +5,7 @@
     <p:sldMasterId id="2147483660" r:id="rId1"/>
   </p:sldMasterIdLst>
   <p:notesMasterIdLst>
-    <p:notesMasterId r:id="rId22"/>
+    <p:notesMasterId r:id="rId23"/>
   </p:notesMasterIdLst>
   <p:sldIdLst>
     <p:sldId id="256" r:id="rId2"/>
@@ -13,21 +13,22 @@
     <p:sldId id="342" r:id="rId4"/>
     <p:sldId id="258" r:id="rId5"/>
     <p:sldId id="259" r:id="rId6"/>
-    <p:sldId id="409" r:id="rId7"/>
-    <p:sldId id="399" r:id="rId8"/>
-    <p:sldId id="412" r:id="rId9"/>
-    <p:sldId id="413" r:id="rId10"/>
-    <p:sldId id="414" r:id="rId11"/>
-    <p:sldId id="415" r:id="rId12"/>
-    <p:sldId id="416" r:id="rId13"/>
-    <p:sldId id="417" r:id="rId14"/>
-    <p:sldId id="418" r:id="rId15"/>
-    <p:sldId id="419" r:id="rId16"/>
-    <p:sldId id="420" r:id="rId17"/>
-    <p:sldId id="421" r:id="rId18"/>
-    <p:sldId id="410" r:id="rId19"/>
-    <p:sldId id="411" r:id="rId20"/>
-    <p:sldId id="267" r:id="rId21"/>
+    <p:sldId id="422" r:id="rId7"/>
+    <p:sldId id="409" r:id="rId8"/>
+    <p:sldId id="399" r:id="rId9"/>
+    <p:sldId id="412" r:id="rId10"/>
+    <p:sldId id="413" r:id="rId11"/>
+    <p:sldId id="414" r:id="rId12"/>
+    <p:sldId id="415" r:id="rId13"/>
+    <p:sldId id="416" r:id="rId14"/>
+    <p:sldId id="417" r:id="rId15"/>
+    <p:sldId id="418" r:id="rId16"/>
+    <p:sldId id="419" r:id="rId17"/>
+    <p:sldId id="420" r:id="rId18"/>
+    <p:sldId id="421" r:id="rId19"/>
+    <p:sldId id="410" r:id="rId20"/>
+    <p:sldId id="411" r:id="rId21"/>
+    <p:sldId id="267" r:id="rId22"/>
   </p:sldIdLst>
   <p:sldSz cx="9144000" cy="6858000" type="screen4x3"/>
   <p:notesSz cx="6858000" cy="9144000"/>
@@ -211,7 +212,7 @@
           <a:p>
             <a:fld id="{9B5D41C8-0A92-DD47-AB00-F0EFFD66679B}" type="datetimeFigureOut">
               <a:rPr lang="en-US" smtClean="0"/>
-              <a:t>11/28/11</a:t>
+              <a:t>11/29/11</a:t>
             </a:fld>
             <a:endParaRPr lang="en-US"/>
           </a:p>
@@ -797,7 +798,15 @@
           <a:p>
             <a:r>
               <a:rPr lang="en-US" dirty="0" smtClean="0"/>
-              <a:t>Break – 8 minutes</a:t>
+              <a:t>20 -</a:t>
+            </a:r>
+            <a:r>
+              <a:rPr lang="en-US" baseline="0" dirty="0" smtClean="0"/>
+              <a:t> 30</a:t>
+            </a:r>
+            <a:r>
+              <a:rPr lang="en-US" dirty="0" smtClean="0"/>
+              <a:t> minutes</a:t>
             </a:r>
             <a:endParaRPr lang="en-US" dirty="0"/>
           </a:p>
@@ -829,7 +838,7 @@
     </p:spTree>
     <p:extLst>
       <p:ext uri="{BB962C8B-B14F-4D97-AF65-F5344CB8AC3E}">
-        <p14:creationId xmlns:p14="http://schemas.microsoft.com/office/powerpoint/2010/main" val="2491357436"/>
+        <p14:creationId xmlns:p14="http://schemas.microsoft.com/office/powerpoint/2010/main" val="653880016"/>
       </p:ext>
     </p:extLst>
   </p:cSld>
@@ -908,7 +917,7 @@
           <a:p>
             <a:fld id="{F0AB357A-3C6D-9E43-AB07-807CDFEA83A0}" type="slidenum">
               <a:rPr lang="en-US" smtClean="0"/>
-              <a:t>18</a:t>
+              <a:t>7</a:t>
             </a:fld>
             <a:endParaRPr lang="en-US"/>
           </a:p>
@@ -971,6 +980,10 @@
           <a:bodyPr/>
           <a:lstStyle/>
           <a:p>
+            <a:r>
+              <a:rPr lang="en-US" dirty="0" smtClean="0"/>
+              <a:t>Break – 8 minutes</a:t>
+            </a:r>
             <a:endParaRPr lang="en-US" dirty="0"/>
           </a:p>
         </p:txBody>
@@ -992,7 +1005,91 @@
           <a:p>
             <a:fld id="{F0AB357A-3C6D-9E43-AB07-807CDFEA83A0}" type="slidenum">
               <a:rPr lang="en-US" smtClean="0"/>
-              <a:t>20</a:t>
+              <a:t>19</a:t>
+            </a:fld>
+            <a:endParaRPr lang="en-US"/>
+          </a:p>
+        </p:txBody>
+      </p:sp>
+    </p:spTree>
+    <p:extLst>
+      <p:ext uri="{BB962C8B-B14F-4D97-AF65-F5344CB8AC3E}">
+        <p14:creationId xmlns:p14="http://schemas.microsoft.com/office/powerpoint/2010/main" val="2491357436"/>
+      </p:ext>
+    </p:extLst>
+  </p:cSld>
+  <p:clrMapOvr>
+    <a:masterClrMapping/>
+  </p:clrMapOvr>
+</p:notes>
+</file>
+
+<file path=ppt/notesSlides/notesSlide7.xml><?xml version="1.0" encoding="utf-8"?>
+<p:notes xmlns:a="http://schemas.openxmlformats.org/drawingml/2006/main" xmlns:r="http://schemas.openxmlformats.org/officeDocument/2006/relationships" xmlns:p="http://schemas.openxmlformats.org/presentationml/2006/main">
+  <p:cSld>
+    <p:spTree>
+      <p:nvGrpSpPr>
+        <p:cNvPr id="1" name=""/>
+        <p:cNvGrpSpPr/>
+        <p:nvPr/>
+      </p:nvGrpSpPr>
+      <p:grpSpPr>
+        <a:xfrm>
+          <a:off x="0" y="0"/>
+          <a:ext cx="0" cy="0"/>
+          <a:chOff x="0" y="0"/>
+          <a:chExt cx="0" cy="0"/>
+        </a:xfrm>
+      </p:grpSpPr>
+      <p:sp>
+        <p:nvSpPr>
+          <p:cNvPr id="2" name="Slide Image Placeholder 1"/>
+          <p:cNvSpPr>
+            <a:spLocks noGrp="1" noRot="1" noChangeAspect="1"/>
+          </p:cNvSpPr>
+          <p:nvPr>
+            <p:ph type="sldImg"/>
+          </p:nvPr>
+        </p:nvSpPr>
+        <p:spPr/>
+      </p:sp>
+      <p:sp>
+        <p:nvSpPr>
+          <p:cNvPr id="3" name="Notes Placeholder 2"/>
+          <p:cNvSpPr>
+            <a:spLocks noGrp="1"/>
+          </p:cNvSpPr>
+          <p:nvPr>
+            <p:ph type="body" idx="1"/>
+          </p:nvPr>
+        </p:nvSpPr>
+        <p:spPr/>
+        <p:txBody>
+          <a:bodyPr/>
+          <a:lstStyle/>
+          <a:p>
+            <a:endParaRPr lang="en-US" dirty="0"/>
+          </a:p>
+        </p:txBody>
+      </p:sp>
+      <p:sp>
+        <p:nvSpPr>
+          <p:cNvPr id="4" name="Slide Number Placeholder 3"/>
+          <p:cNvSpPr>
+            <a:spLocks noGrp="1"/>
+          </p:cNvSpPr>
+          <p:nvPr>
+            <p:ph type="sldNum" sz="quarter" idx="10"/>
+          </p:nvPr>
+        </p:nvSpPr>
+        <p:spPr/>
+        <p:txBody>
+          <a:bodyPr/>
+          <a:lstStyle/>
+          <a:p>
+            <a:fld id="{F0AB357A-3C6D-9E43-AB07-807CDFEA83A0}" type="slidenum">
+              <a:rPr lang="en-US" smtClean="0"/>
+              <a:t>21</a:t>
             </a:fld>
             <a:endParaRPr lang="en-US"/>
           </a:p>
@@ -1639,7 +1736,7 @@
             <a:fld id="{B7C3F878-F5E8-489B-AC8A-64F2A7E22C28}" type="datetimeFigureOut">
               <a:rPr lang="en-US" smtClean="0"/>
               <a:pPr/>
-              <a:t>11/28/11</a:t>
+              <a:t>11/29/11</a:t>
             </a:fld>
             <a:endParaRPr lang="en-US"/>
           </a:p>
@@ -1846,7 +1943,7 @@
             <a:fld id="{B7C3F878-F5E8-489B-AC8A-64F2A7E22C28}" type="datetimeFigureOut">
               <a:rPr lang="en-US" smtClean="0"/>
               <a:pPr/>
-              <a:t>11/28/11</a:t>
+              <a:t>11/29/11</a:t>
             </a:fld>
             <a:endParaRPr lang="en-US"/>
           </a:p>
@@ -2053,7 +2150,7 @@
             <a:fld id="{B7C3F878-F5E8-489B-AC8A-64F2A7E22C28}" type="datetimeFigureOut">
               <a:rPr lang="en-US" smtClean="0"/>
               <a:pPr/>
-              <a:t>11/28/11</a:t>
+              <a:t>11/29/11</a:t>
             </a:fld>
             <a:endParaRPr lang="en-US"/>
           </a:p>
@@ -2246,7 +2343,7 @@
             <a:fld id="{B7C3F878-F5E8-489B-AC8A-64F2A7E22C28}" type="datetimeFigureOut">
               <a:rPr lang="en-US" smtClean="0"/>
               <a:pPr/>
-              <a:t>11/28/11</a:t>
+              <a:t>11/29/11</a:t>
             </a:fld>
             <a:endParaRPr lang="en-US"/>
           </a:p>
@@ -2487,7 +2584,7 @@
             <a:fld id="{B7C3F878-F5E8-489B-AC8A-64F2A7E22C28}" type="datetimeFigureOut">
               <a:rPr lang="en-US" smtClean="0"/>
               <a:pPr/>
-              <a:t>11/28/11</a:t>
+              <a:t>11/29/11</a:t>
             </a:fld>
             <a:endParaRPr lang="en-US"/>
           </a:p>
@@ -2602,7 +2699,7 @@
             <a:fld id="{B7C3F878-F5E8-489B-AC8A-64F2A7E22C28}" type="datetimeFigureOut">
               <a:rPr lang="en-US" smtClean="0"/>
               <a:pPr/>
-              <a:t>11/28/11</a:t>
+              <a:t>11/29/11</a:t>
             </a:fld>
             <a:endParaRPr lang="en-US"/>
           </a:p>
@@ -3034,7 +3131,7 @@
             <a:fld id="{B7C3F878-F5E8-489B-AC8A-64F2A7E22C28}" type="datetimeFigureOut">
               <a:rPr lang="en-US" smtClean="0"/>
               <a:pPr/>
-              <a:t>11/28/11</a:t>
+              <a:t>11/29/11</a:t>
             </a:fld>
             <a:endParaRPr lang="en-US"/>
           </a:p>
@@ -3315,7 +3412,7 @@
             <a:fld id="{B7C3F878-F5E8-489B-AC8A-64F2A7E22C28}" type="datetimeFigureOut">
               <a:rPr lang="en-US" smtClean="0"/>
               <a:pPr/>
-              <a:t>11/28/11</a:t>
+              <a:t>11/29/11</a:t>
             </a:fld>
             <a:endParaRPr lang="en-US"/>
           </a:p>
@@ -3407,7 +3504,7 @@
             <a:fld id="{B7C3F878-F5E8-489B-AC8A-64F2A7E22C28}" type="datetimeFigureOut">
               <a:rPr lang="en-US" smtClean="0"/>
               <a:pPr/>
-              <a:t>11/28/11</a:t>
+              <a:t>11/29/11</a:t>
             </a:fld>
             <a:endParaRPr lang="en-US"/>
           </a:p>
@@ -4246,7 +4343,7 @@
             <a:fld id="{B7C3F878-F5E8-489B-AC8A-64F2A7E22C28}" type="datetimeFigureOut">
               <a:rPr lang="en-US" smtClean="0"/>
               <a:pPr/>
-              <a:t>11/28/11</a:t>
+              <a:t>11/29/11</a:t>
             </a:fld>
             <a:endParaRPr lang="en-US"/>
           </a:p>
@@ -5079,7 +5176,7 @@
             <a:fld id="{B7C3F878-F5E8-489B-AC8A-64F2A7E22C28}" type="datetimeFigureOut">
               <a:rPr lang="en-US" smtClean="0"/>
               <a:pPr/>
-              <a:t>11/28/11</a:t>
+              <a:t>11/29/11</a:t>
             </a:fld>
             <a:endParaRPr lang="en-US"/>
           </a:p>
@@ -5735,7 +5832,7 @@
             <a:fld id="{B7C3F878-F5E8-489B-AC8A-64F2A7E22C28}" type="datetimeFigureOut">
               <a:rPr lang="en-US" smtClean="0"/>
               <a:pPr/>
-              <a:t>11/28/11</a:t>
+              <a:t>11/29/11</a:t>
             </a:fld>
             <a:endParaRPr lang="en-US" dirty="0"/>
           </a:p>
@@ -6294,22 +6391,8 @@
           <a:lstStyle/>
           <a:p>
             <a:r>
-              <a:rPr lang="en-US" dirty="0">
-                <a:latin typeface="Courier New"/>
-                <a:cs typeface="Courier New"/>
-              </a:rPr>
-              <a:t>a</a:t>
-            </a:r>
-            <a:r>
-              <a:rPr lang="en-US" dirty="0" smtClean="0">
-                <a:latin typeface="Courier New"/>
-                <a:cs typeface="Courier New"/>
-              </a:rPr>
-              <a:t>lt</a:t>
-            </a:r>
-            <a:r>
-              <a:rPr lang="en-US" dirty="0" smtClean="0"/>
-              <a:t> Attribute</a:t>
+              <a:rPr lang="en-US" dirty="0" smtClean="0"/>
+              <a:t>Screen Readers</a:t>
             </a:r>
             <a:endParaRPr lang="en-US" dirty="0"/>
           </a:p>
@@ -6330,7 +6413,29 @@
           <a:bodyPr/>
           <a:lstStyle/>
           <a:p>
-            <a:endParaRPr lang="en-US"/>
+            <a:r>
+              <a:rPr lang="en-US" dirty="0"/>
+              <a:t>Tool that literally reads a webpage out loud for those with visual </a:t>
+            </a:r>
+            <a:r>
+              <a:rPr lang="en-US" dirty="0" smtClean="0"/>
+              <a:t>disabilities</a:t>
+            </a:r>
+          </a:p>
+          <a:p>
+            <a:r>
+              <a:rPr lang="en-US" dirty="0" smtClean="0"/>
+              <a:t>JAWS on Windows or </a:t>
+            </a:r>
+            <a:r>
+              <a:rPr lang="en-US" dirty="0" err="1" smtClean="0"/>
+              <a:t>VoiceOver</a:t>
+            </a:r>
+            <a:r>
+              <a:rPr lang="en-US" dirty="0" smtClean="0"/>
+              <a:t> on Mac</a:t>
+            </a:r>
+            <a:endParaRPr lang="en-US" dirty="0"/>
           </a:p>
         </p:txBody>
       </p:sp>
@@ -6349,28 +6454,6 @@
           <a:bodyPr/>
           <a:lstStyle/>
           <a:p>
-            <a:r>
-              <a:rPr lang="en-US" dirty="0" smtClean="0"/>
-              <a:t>Describe image</a:t>
-            </a:r>
-          </a:p>
-          <a:p>
-            <a:r>
-              <a:rPr lang="en-US" dirty="0" smtClean="0"/>
-              <a:t>Short</a:t>
-            </a:r>
-          </a:p>
-          <a:p>
-            <a:r>
-              <a:rPr lang="en-US" dirty="0" smtClean="0"/>
-              <a:t>Descriptive</a:t>
-            </a:r>
-          </a:p>
-          <a:p>
-            <a:r>
-              <a:rPr lang="en-US" dirty="0" smtClean="0"/>
-              <a:t>Clear </a:t>
-            </a:r>
             <a:endParaRPr lang="en-US" dirty="0"/>
           </a:p>
         </p:txBody>
@@ -6378,7 +6461,7 @@
     </p:spTree>
     <p:extLst>
       <p:ext uri="{BB962C8B-B14F-4D97-AF65-F5344CB8AC3E}">
-        <p14:creationId xmlns:p14="http://schemas.microsoft.com/office/powerpoint/2010/main" val="1292663913"/>
+        <p14:creationId xmlns:p14="http://schemas.microsoft.com/office/powerpoint/2010/main" val="2709056471"/>
       </p:ext>
     </p:extLst>
   </p:cSld>
@@ -6421,18 +6504,18 @@
           <a:lstStyle/>
           <a:p>
             <a:r>
-              <a:rPr lang="en-US" dirty="0" err="1">
+              <a:rPr lang="en-US" dirty="0">
                 <a:latin typeface="Courier New"/>
                 <a:cs typeface="Courier New"/>
               </a:rPr>
-              <a:t>l</a:t>
-            </a:r>
-            <a:r>
-              <a:rPr lang="en-US" dirty="0" err="1" smtClean="0">
+              <a:t>a</a:t>
+            </a:r>
+            <a:r>
+              <a:rPr lang="en-US" dirty="0" smtClean="0">
                 <a:latin typeface="Courier New"/>
                 <a:cs typeface="Courier New"/>
               </a:rPr>
-              <a:t>ongdesc</a:t>
+              <a:t>lt</a:t>
             </a:r>
             <a:r>
               <a:rPr lang="en-US" dirty="0" smtClean="0"/>
@@ -6457,17 +6540,7 @@
           <a:bodyPr/>
           <a:lstStyle/>
           <a:p>
-            <a:r>
-              <a:rPr lang="en-US" dirty="0" smtClean="0"/>
-              <a:t>Helps keep long descriptions off the page</a:t>
-            </a:r>
-          </a:p>
-          <a:p>
-            <a:r>
-              <a:rPr lang="en-US" dirty="0" smtClean="0"/>
-              <a:t>Should be a valid HTML reference</a:t>
-            </a:r>
-            <a:endParaRPr lang="en-US" dirty="0"/>
+            <a:endParaRPr lang="en-US"/>
           </a:p>
         </p:txBody>
       </p:sp>
@@ -6486,6 +6559,28 @@
           <a:bodyPr/>
           <a:lstStyle/>
           <a:p>
+            <a:r>
+              <a:rPr lang="en-US" dirty="0" smtClean="0"/>
+              <a:t>Describe image</a:t>
+            </a:r>
+          </a:p>
+          <a:p>
+            <a:r>
+              <a:rPr lang="en-US" dirty="0" smtClean="0"/>
+              <a:t>Short</a:t>
+            </a:r>
+          </a:p>
+          <a:p>
+            <a:r>
+              <a:rPr lang="en-US" dirty="0" smtClean="0"/>
+              <a:t>Descriptive</a:t>
+            </a:r>
+          </a:p>
+          <a:p>
+            <a:r>
+              <a:rPr lang="en-US" dirty="0" smtClean="0"/>
+              <a:t>Clear </a:t>
+            </a:r>
             <a:endParaRPr lang="en-US" dirty="0"/>
           </a:p>
         </p:txBody>
@@ -6493,7 +6588,7 @@
     </p:spTree>
     <p:extLst>
       <p:ext uri="{BB962C8B-B14F-4D97-AF65-F5344CB8AC3E}">
-        <p14:creationId xmlns:p14="http://schemas.microsoft.com/office/powerpoint/2010/main" val="3456072181"/>
+        <p14:creationId xmlns:p14="http://schemas.microsoft.com/office/powerpoint/2010/main" val="1292663913"/>
       </p:ext>
     </p:extLst>
   </p:cSld>
@@ -6536,11 +6631,18 @@
           <a:lstStyle/>
           <a:p>
             <a:r>
+              <a:rPr lang="en-US" dirty="0" err="1">
+                <a:latin typeface="Courier New"/>
+                <a:cs typeface="Courier New"/>
+              </a:rPr>
+              <a:t>l</a:t>
+            </a:r>
+            <a:r>
               <a:rPr lang="en-US" dirty="0" err="1" smtClean="0">
                 <a:latin typeface="Courier New"/>
                 <a:cs typeface="Courier New"/>
               </a:rPr>
-              <a:t>tabindex</a:t>
+              <a:t>ongdesc</a:t>
             </a:r>
             <a:r>
               <a:rPr lang="en-US" dirty="0" smtClean="0"/>
@@ -6565,7 +6667,17 @@
           <a:bodyPr/>
           <a:lstStyle/>
           <a:p>
-            <a:endParaRPr lang="en-US"/>
+            <a:r>
+              <a:rPr lang="en-US" dirty="0" smtClean="0"/>
+              <a:t>Helps keep long descriptions off the page</a:t>
+            </a:r>
+          </a:p>
+          <a:p>
+            <a:r>
+              <a:rPr lang="en-US" dirty="0" smtClean="0"/>
+              <a:t>Should be a valid HTML reference</a:t>
+            </a:r>
+            <a:endParaRPr lang="en-US" dirty="0"/>
           </a:p>
         </p:txBody>
       </p:sp>
@@ -6584,16 +6696,6 @@
           <a:bodyPr/>
           <a:lstStyle/>
           <a:p>
-            <a:r>
-              <a:rPr lang="en-US" dirty="0" smtClean="0"/>
-              <a:t>Guides the order when hitting the keyboard to navigate the site</a:t>
-            </a:r>
-          </a:p>
-          <a:p>
-            <a:r>
-              <a:rPr lang="en-US" dirty="0" smtClean="0"/>
-              <a:t>Lower numbers have precedence</a:t>
-            </a:r>
             <a:endParaRPr lang="en-US" dirty="0"/>
           </a:p>
         </p:txBody>
@@ -6601,7 +6703,7 @@
     </p:spTree>
     <p:extLst>
       <p:ext uri="{BB962C8B-B14F-4D97-AF65-F5344CB8AC3E}">
-        <p14:creationId xmlns:p14="http://schemas.microsoft.com/office/powerpoint/2010/main" val="2932106918"/>
+        <p14:creationId xmlns:p14="http://schemas.microsoft.com/office/powerpoint/2010/main" val="3456072181"/>
       </p:ext>
     </p:extLst>
   </p:cSld>
@@ -6644,8 +6746,15 @@
           <a:lstStyle/>
           <a:p>
             <a:r>
-              <a:rPr lang="en-US" dirty="0" smtClean="0"/>
-              <a:t>Why?</a:t>
+              <a:rPr lang="en-US" dirty="0" err="1" smtClean="0">
+                <a:latin typeface="Courier New"/>
+                <a:cs typeface="Courier New"/>
+              </a:rPr>
+              <a:t>tabindex</a:t>
+            </a:r>
+            <a:r>
+              <a:rPr lang="en-US" dirty="0" smtClean="0"/>
+              <a:t> Attribute</a:t>
             </a:r>
             <a:endParaRPr lang="en-US" dirty="0"/>
           </a:p>
@@ -6666,55 +6775,43 @@
           <a:bodyPr/>
           <a:lstStyle/>
           <a:p>
-            <a:r>
-              <a:rPr lang="en-US" dirty="0" smtClean="0"/>
-              <a:t>The Law</a:t>
-            </a:r>
-          </a:p>
-          <a:p>
-            <a:r>
-              <a:rPr lang="en-US" dirty="0" smtClean="0"/>
-              <a:t>Helps everyone</a:t>
-            </a:r>
-          </a:p>
-          <a:p>
-            <a:r>
-              <a:rPr lang="en-US" dirty="0" smtClean="0"/>
-              <a:t>Business reasons</a:t>
-            </a:r>
-          </a:p>
-          <a:p>
-            <a:r>
-              <a:rPr lang="en-US" dirty="0" smtClean="0"/>
-              <a:t>Morals</a:t>
+            <a:endParaRPr lang="en-US"/>
+          </a:p>
+        </p:txBody>
+      </p:sp>
+      <p:sp>
+        <p:nvSpPr>
+          <p:cNvPr id="4" name="Content Placeholder 3"/>
+          <p:cNvSpPr>
+            <a:spLocks noGrp="1"/>
+          </p:cNvSpPr>
+          <p:nvPr>
+            <p:ph sz="quarter" idx="14"/>
+          </p:nvPr>
+        </p:nvSpPr>
+        <p:spPr/>
+        <p:txBody>
+          <a:bodyPr/>
+          <a:lstStyle/>
+          <a:p>
+            <a:r>
+              <a:rPr lang="en-US" dirty="0" smtClean="0"/>
+              <a:t>Guides the order when hitting the keyboard to navigate the site</a:t>
+            </a:r>
+          </a:p>
+          <a:p>
+            <a:r>
+              <a:rPr lang="en-US" dirty="0" smtClean="0"/>
+              <a:t>Lower numbers have precedence</a:t>
             </a:r>
             <a:endParaRPr lang="en-US" dirty="0"/>
-          </a:p>
-        </p:txBody>
-      </p:sp>
-      <p:sp>
-        <p:nvSpPr>
-          <p:cNvPr id="4" name="Content Placeholder 3"/>
-          <p:cNvSpPr>
-            <a:spLocks noGrp="1"/>
-          </p:cNvSpPr>
-          <p:nvPr>
-            <p:ph sz="quarter" idx="14"/>
-          </p:nvPr>
-        </p:nvSpPr>
-        <p:spPr/>
-        <p:txBody>
-          <a:bodyPr/>
-          <a:lstStyle/>
-          <a:p>
-            <a:endParaRPr lang="en-US"/>
           </a:p>
         </p:txBody>
       </p:sp>
     </p:spTree>
     <p:extLst>
       <p:ext uri="{BB962C8B-B14F-4D97-AF65-F5344CB8AC3E}">
-        <p14:creationId xmlns:p14="http://schemas.microsoft.com/office/powerpoint/2010/main" val="2241511209"/>
+        <p14:creationId xmlns:p14="http://schemas.microsoft.com/office/powerpoint/2010/main" val="2932106918"/>
       </p:ext>
     </p:extLst>
   </p:cSld>
@@ -6758,7 +6855,7 @@
           <a:p>
             <a:r>
               <a:rPr lang="en-US" dirty="0" smtClean="0"/>
-              <a:t>WCAG</a:t>
+              <a:t>Why?</a:t>
             </a:r>
             <a:endParaRPr lang="en-US" dirty="0"/>
           </a:p>
@@ -6779,49 +6876,55 @@
           <a:bodyPr/>
           <a:lstStyle/>
           <a:p>
+            <a:r>
+              <a:rPr lang="en-US" dirty="0" smtClean="0"/>
+              <a:t>The Law</a:t>
+            </a:r>
+          </a:p>
+          <a:p>
+            <a:r>
+              <a:rPr lang="en-US" dirty="0" smtClean="0"/>
+              <a:t>Helps everyone</a:t>
+            </a:r>
+          </a:p>
+          <a:p>
+            <a:r>
+              <a:rPr lang="en-US" dirty="0" smtClean="0"/>
+              <a:t>Business reasons</a:t>
+            </a:r>
+          </a:p>
+          <a:p>
+            <a:r>
+              <a:rPr lang="en-US" dirty="0" smtClean="0"/>
+              <a:t>Morals</a:t>
+            </a:r>
+            <a:endParaRPr lang="en-US" dirty="0"/>
+          </a:p>
+        </p:txBody>
+      </p:sp>
+      <p:sp>
+        <p:nvSpPr>
+          <p:cNvPr id="4" name="Content Placeholder 3"/>
+          <p:cNvSpPr>
+            <a:spLocks noGrp="1"/>
+          </p:cNvSpPr>
+          <p:nvPr>
+            <p:ph sz="quarter" idx="14"/>
+          </p:nvPr>
+        </p:nvSpPr>
+        <p:spPr/>
+        <p:txBody>
+          <a:bodyPr/>
+          <a:lstStyle/>
+          <a:p>
             <a:endParaRPr lang="en-US"/>
-          </a:p>
-        </p:txBody>
-      </p:sp>
-      <p:sp>
-        <p:nvSpPr>
-          <p:cNvPr id="4" name="Content Placeholder 3"/>
-          <p:cNvSpPr>
-            <a:spLocks noGrp="1"/>
-          </p:cNvSpPr>
-          <p:nvPr>
-            <p:ph sz="quarter" idx="14"/>
-          </p:nvPr>
-        </p:nvSpPr>
-        <p:spPr/>
-        <p:txBody>
-          <a:bodyPr/>
-          <a:lstStyle/>
-          <a:p>
-            <a:r>
-              <a:rPr lang="en-US" dirty="0"/>
-              <a:t>Web Content Accessibility </a:t>
-            </a:r>
-            <a:r>
-              <a:rPr lang="en-US" dirty="0" smtClean="0"/>
-              <a:t>Guidelines</a:t>
-            </a:r>
-          </a:p>
-          <a:p>
-            <a:r>
-              <a:rPr lang="en-US" dirty="0" smtClean="0"/>
-              <a:t>Checklist</a:t>
-            </a:r>
-          </a:p>
-          <a:p>
-            <a:endParaRPr lang="en-US" dirty="0"/>
           </a:p>
         </p:txBody>
       </p:sp>
     </p:spTree>
     <p:extLst>
       <p:ext uri="{BB962C8B-B14F-4D97-AF65-F5344CB8AC3E}">
-        <p14:creationId xmlns:p14="http://schemas.microsoft.com/office/powerpoint/2010/main" val="3206884100"/>
+        <p14:creationId xmlns:p14="http://schemas.microsoft.com/office/powerpoint/2010/main" val="2241511209"/>
       </p:ext>
     </p:extLst>
   </p:cSld>
@@ -6865,7 +6968,7 @@
           <a:p>
             <a:r>
               <a:rPr lang="en-US" dirty="0" smtClean="0"/>
-              <a:t>Colors</a:t>
+              <a:t>WCAG</a:t>
             </a:r>
             <a:endParaRPr lang="en-US" dirty="0"/>
           </a:p>
@@ -6886,49 +6989,49 @@
           <a:bodyPr/>
           <a:lstStyle/>
           <a:p>
-            <a:r>
-              <a:rPr lang="en-US" dirty="0" smtClean="0"/>
-              <a:t>Don't just use color to communicate</a:t>
-            </a:r>
-          </a:p>
-          <a:p>
-            <a:r>
-              <a:rPr lang="en-US" dirty="0" smtClean="0"/>
-              <a:t>Consider color-blind</a:t>
-            </a:r>
-          </a:p>
-          <a:p>
-            <a:r>
-              <a:rPr lang="en-US" dirty="0" smtClean="0"/>
-              <a:t>Use text to supplement</a:t>
-            </a:r>
+            <a:endParaRPr lang="en-US"/>
+          </a:p>
+        </p:txBody>
+      </p:sp>
+      <p:sp>
+        <p:nvSpPr>
+          <p:cNvPr id="4" name="Content Placeholder 3"/>
+          <p:cNvSpPr>
+            <a:spLocks noGrp="1"/>
+          </p:cNvSpPr>
+          <p:nvPr>
+            <p:ph sz="quarter" idx="14"/>
+          </p:nvPr>
+        </p:nvSpPr>
+        <p:spPr/>
+        <p:txBody>
+          <a:bodyPr/>
+          <a:lstStyle/>
+          <a:p>
+            <a:r>
+              <a:rPr lang="en-US" dirty="0"/>
+              <a:t>Web Content Accessibility </a:t>
+            </a:r>
+            <a:r>
+              <a:rPr lang="en-US" dirty="0" smtClean="0"/>
+              <a:t>Guidelines</a:t>
+            </a:r>
+          </a:p>
+          <a:p>
+            <a:r>
+              <a:rPr lang="en-US" dirty="0" smtClean="0"/>
+              <a:t>Checklist</a:t>
+            </a:r>
+          </a:p>
+          <a:p>
             <a:endParaRPr lang="en-US" dirty="0"/>
-          </a:p>
-        </p:txBody>
-      </p:sp>
-      <p:sp>
-        <p:nvSpPr>
-          <p:cNvPr id="4" name="Content Placeholder 3"/>
-          <p:cNvSpPr>
-            <a:spLocks noGrp="1"/>
-          </p:cNvSpPr>
-          <p:nvPr>
-            <p:ph sz="quarter" idx="14"/>
-          </p:nvPr>
-        </p:nvSpPr>
-        <p:spPr/>
-        <p:txBody>
-          <a:bodyPr/>
-          <a:lstStyle/>
-          <a:p>
-            <a:endParaRPr lang="en-US"/>
           </a:p>
         </p:txBody>
       </p:sp>
     </p:spTree>
     <p:extLst>
       <p:ext uri="{BB962C8B-B14F-4D97-AF65-F5344CB8AC3E}">
-        <p14:creationId xmlns:p14="http://schemas.microsoft.com/office/powerpoint/2010/main" val="4059825601"/>
+        <p14:creationId xmlns:p14="http://schemas.microsoft.com/office/powerpoint/2010/main" val="3206884100"/>
       </p:ext>
     </p:extLst>
   </p:cSld>
@@ -6972,7 +7075,7 @@
           <a:p>
             <a:r>
               <a:rPr lang="en-US" dirty="0" smtClean="0"/>
-              <a:t>Markup</a:t>
+              <a:t>Colors</a:t>
             </a:r>
             <a:endParaRPr lang="en-US" dirty="0"/>
           </a:p>
@@ -6993,90 +7096,49 @@
           <a:bodyPr/>
           <a:lstStyle/>
           <a:p>
+            <a:r>
+              <a:rPr lang="en-US" dirty="0" smtClean="0"/>
+              <a:t>Don't just use color to communicate</a:t>
+            </a:r>
+          </a:p>
+          <a:p>
+            <a:r>
+              <a:rPr lang="en-US" dirty="0" smtClean="0"/>
+              <a:t>Consider color-blind</a:t>
+            </a:r>
+          </a:p>
+          <a:p>
+            <a:r>
+              <a:rPr lang="en-US" dirty="0" smtClean="0"/>
+              <a:t>Use text to supplement</a:t>
+            </a:r>
+            <a:endParaRPr lang="en-US" dirty="0"/>
+          </a:p>
+        </p:txBody>
+      </p:sp>
+      <p:sp>
+        <p:nvSpPr>
+          <p:cNvPr id="4" name="Content Placeholder 3"/>
+          <p:cNvSpPr>
+            <a:spLocks noGrp="1"/>
+          </p:cNvSpPr>
+          <p:nvPr>
+            <p:ph sz="quarter" idx="14"/>
+          </p:nvPr>
+        </p:nvSpPr>
+        <p:spPr/>
+        <p:txBody>
+          <a:bodyPr/>
+          <a:lstStyle/>
+          <a:p>
             <a:endParaRPr lang="en-US"/>
-          </a:p>
-        </p:txBody>
-      </p:sp>
-      <p:sp>
-        <p:nvSpPr>
-          <p:cNvPr id="4" name="Content Placeholder 3"/>
-          <p:cNvSpPr>
-            <a:spLocks noGrp="1"/>
-          </p:cNvSpPr>
-          <p:nvPr>
-            <p:ph sz="quarter" idx="14"/>
-          </p:nvPr>
-        </p:nvSpPr>
-        <p:spPr/>
-        <p:txBody>
-          <a:bodyPr>
-            <a:normAutofit lnSpcReduction="10000"/>
-          </a:bodyPr>
-          <a:lstStyle/>
-          <a:p>
-            <a:r>
-              <a:rPr lang="en-US" dirty="0" smtClean="0"/>
-              <a:t>Put markup in logical order</a:t>
-            </a:r>
-          </a:p>
-          <a:p>
-            <a:pPr lvl="1"/>
-            <a:r>
-              <a:rPr lang="en-US" dirty="0" smtClean="0"/>
-              <a:t>Header</a:t>
-            </a:r>
-          </a:p>
-          <a:p>
-            <a:pPr lvl="1"/>
-            <a:r>
-              <a:rPr lang="en-US" dirty="0" smtClean="0"/>
-              <a:t>Masthead</a:t>
-            </a:r>
-          </a:p>
-          <a:p>
-            <a:pPr lvl="1"/>
-            <a:r>
-              <a:rPr lang="en-US" dirty="0" smtClean="0"/>
-              <a:t>Content</a:t>
-            </a:r>
-          </a:p>
-          <a:p>
-            <a:pPr lvl="1"/>
-            <a:r>
-              <a:rPr lang="en-US" dirty="0" smtClean="0"/>
-              <a:t>Sidebar</a:t>
-            </a:r>
-          </a:p>
-          <a:p>
-            <a:pPr lvl="1"/>
-            <a:r>
-              <a:rPr lang="en-US" dirty="0" smtClean="0"/>
-              <a:t>Footer</a:t>
-            </a:r>
-          </a:p>
-          <a:p>
-            <a:r>
-              <a:rPr lang="en-US" dirty="0" smtClean="0"/>
-              <a:t>Eliminates need for </a:t>
-            </a:r>
-            <a:r>
-              <a:rPr lang="en-US" dirty="0" err="1" smtClean="0">
-                <a:latin typeface="Courier New"/>
-                <a:cs typeface="Courier New"/>
-              </a:rPr>
-              <a:t>tabindex</a:t>
-            </a:r>
-            <a:endParaRPr lang="en-US" dirty="0">
-              <a:latin typeface="Courier New"/>
-              <a:cs typeface="Courier New"/>
-            </a:endParaRPr>
           </a:p>
         </p:txBody>
       </p:sp>
     </p:spTree>
     <p:extLst>
       <p:ext uri="{BB962C8B-B14F-4D97-AF65-F5344CB8AC3E}">
-        <p14:creationId xmlns:p14="http://schemas.microsoft.com/office/powerpoint/2010/main" val="3431275600"/>
+        <p14:creationId xmlns:p14="http://schemas.microsoft.com/office/powerpoint/2010/main" val="4059825601"/>
       </p:ext>
     </p:extLst>
   </p:cSld>
@@ -7120,7 +7182,7 @@
           <a:p>
             <a:r>
               <a:rPr lang="en-US" dirty="0" smtClean="0"/>
-              <a:t>Tables</a:t>
+              <a:t>Markup</a:t>
             </a:r>
             <a:endParaRPr lang="en-US" dirty="0"/>
           </a:p>
@@ -7141,14 +7203,6 @@
           <a:bodyPr/>
           <a:lstStyle/>
           <a:p>
-            <a:r>
-              <a:rPr lang="en-US" dirty="0" smtClean="0"/>
-              <a:t>Use table row and </a:t>
-            </a:r>
-            <a:r>
-              <a:rPr lang="en-US" smtClean="0"/>
-              <a:t>column headings</a:t>
-            </a:r>
             <a:endParaRPr lang="en-US"/>
           </a:p>
         </p:txBody>
@@ -7165,17 +7219,74 @@
         </p:nvSpPr>
         <p:spPr/>
         <p:txBody>
-          <a:bodyPr/>
-          <a:lstStyle/>
-          <a:p>
-            <a:endParaRPr lang="en-US"/>
+          <a:bodyPr>
+            <a:normAutofit lnSpcReduction="10000"/>
+          </a:bodyPr>
+          <a:lstStyle/>
+          <a:p>
+            <a:r>
+              <a:rPr lang="en-US" dirty="0" smtClean="0"/>
+              <a:t>Put markup in logical order</a:t>
+            </a:r>
+          </a:p>
+          <a:p>
+            <a:pPr lvl="1"/>
+            <a:r>
+              <a:rPr lang="en-US" dirty="0" smtClean="0"/>
+              <a:t>Header</a:t>
+            </a:r>
+          </a:p>
+          <a:p>
+            <a:pPr lvl="1"/>
+            <a:r>
+              <a:rPr lang="en-US" dirty="0" smtClean="0"/>
+              <a:t>Masthead</a:t>
+            </a:r>
+          </a:p>
+          <a:p>
+            <a:pPr lvl="1"/>
+            <a:r>
+              <a:rPr lang="en-US" dirty="0" smtClean="0"/>
+              <a:t>Content</a:t>
+            </a:r>
+          </a:p>
+          <a:p>
+            <a:pPr lvl="1"/>
+            <a:r>
+              <a:rPr lang="en-US" dirty="0" smtClean="0"/>
+              <a:t>Sidebar</a:t>
+            </a:r>
+          </a:p>
+          <a:p>
+            <a:pPr lvl="1"/>
+            <a:r>
+              <a:rPr lang="en-US" dirty="0" smtClean="0"/>
+              <a:t>Footer</a:t>
+            </a:r>
+          </a:p>
+          <a:p>
+            <a:r>
+              <a:rPr lang="en-US" dirty="0" smtClean="0"/>
+              <a:t>Eliminates need for </a:t>
+            </a:r>
+            <a:r>
+              <a:rPr lang="en-US" dirty="0" err="1" smtClean="0">
+                <a:latin typeface="Courier New"/>
+                <a:cs typeface="Courier New"/>
+              </a:rPr>
+              <a:t>tabindex</a:t>
+            </a:r>
+            <a:endParaRPr lang="en-US" dirty="0">
+              <a:latin typeface="Courier New"/>
+              <a:cs typeface="Courier New"/>
+            </a:endParaRPr>
           </a:p>
         </p:txBody>
       </p:sp>
     </p:spTree>
     <p:extLst>
       <p:ext uri="{BB962C8B-B14F-4D97-AF65-F5344CB8AC3E}">
-        <p14:creationId xmlns:p14="http://schemas.microsoft.com/office/powerpoint/2010/main" val="3755208792"/>
+        <p14:creationId xmlns:p14="http://schemas.microsoft.com/office/powerpoint/2010/main" val="3431275600"/>
       </p:ext>
     </p:extLst>
   </p:cSld>
@@ -7204,6 +7315,105 @@
       </p:grpSpPr>
       <p:sp>
         <p:nvSpPr>
+          <p:cNvPr id="2" name="Title 1"/>
+          <p:cNvSpPr>
+            <a:spLocks noGrp="1"/>
+          </p:cNvSpPr>
+          <p:nvPr>
+            <p:ph type="title"/>
+          </p:nvPr>
+        </p:nvSpPr>
+        <p:spPr/>
+        <p:txBody>
+          <a:bodyPr/>
+          <a:lstStyle/>
+          <a:p>
+            <a:r>
+              <a:rPr lang="en-US" dirty="0" smtClean="0"/>
+              <a:t>Tables</a:t>
+            </a:r>
+            <a:endParaRPr lang="en-US" dirty="0"/>
+          </a:p>
+        </p:txBody>
+      </p:sp>
+      <p:sp>
+        <p:nvSpPr>
+          <p:cNvPr id="3" name="Content Placeholder 2"/>
+          <p:cNvSpPr>
+            <a:spLocks noGrp="1"/>
+          </p:cNvSpPr>
+          <p:nvPr>
+            <p:ph sz="quarter" idx="13"/>
+          </p:nvPr>
+        </p:nvSpPr>
+        <p:spPr/>
+        <p:txBody>
+          <a:bodyPr/>
+          <a:lstStyle/>
+          <a:p>
+            <a:r>
+              <a:rPr lang="en-US" dirty="0" smtClean="0"/>
+              <a:t>Use table row and </a:t>
+            </a:r>
+            <a:r>
+              <a:rPr lang="en-US" smtClean="0"/>
+              <a:t>column headings</a:t>
+            </a:r>
+            <a:endParaRPr lang="en-US"/>
+          </a:p>
+        </p:txBody>
+      </p:sp>
+      <p:sp>
+        <p:nvSpPr>
+          <p:cNvPr id="4" name="Content Placeholder 3"/>
+          <p:cNvSpPr>
+            <a:spLocks noGrp="1"/>
+          </p:cNvSpPr>
+          <p:nvPr>
+            <p:ph sz="quarter" idx="14"/>
+          </p:nvPr>
+        </p:nvSpPr>
+        <p:spPr/>
+        <p:txBody>
+          <a:bodyPr/>
+          <a:lstStyle/>
+          <a:p>
+            <a:endParaRPr lang="en-US"/>
+          </a:p>
+        </p:txBody>
+      </p:sp>
+    </p:spTree>
+    <p:extLst>
+      <p:ext uri="{BB962C8B-B14F-4D97-AF65-F5344CB8AC3E}">
+        <p14:creationId xmlns:p14="http://schemas.microsoft.com/office/powerpoint/2010/main" val="3755208792"/>
+      </p:ext>
+    </p:extLst>
+  </p:cSld>
+  <p:clrMapOvr>
+    <a:masterClrMapping/>
+  </p:clrMapOvr>
+</p:sld>
+</file>
+
+<file path=ppt/slides/slide19.xml><?xml version="1.0" encoding="utf-8"?>
+<p:sld xmlns:a="http://schemas.openxmlformats.org/drawingml/2006/main" xmlns:r="http://schemas.openxmlformats.org/officeDocument/2006/relationships" xmlns:p="http://schemas.openxmlformats.org/presentationml/2006/main">
+  <p:cSld>
+    <p:spTree>
+      <p:nvGrpSpPr>
+        <p:cNvPr id="1" name=""/>
+        <p:cNvGrpSpPr/>
+        <p:nvPr/>
+      </p:nvGrpSpPr>
+      <p:grpSpPr>
+        <a:xfrm>
+          <a:off x="0" y="0"/>
+          <a:ext cx="0" cy="0"/>
+          <a:chOff x="0" y="0"/>
+          <a:chExt cx="0" cy="0"/>
+        </a:xfrm>
+      </p:grpSpPr>
+      <p:sp>
+        <p:nvSpPr>
           <p:cNvPr id="3" name="Title 2"/>
           <p:cNvSpPr>
             <a:spLocks noGrp="1"/>
@@ -7264,93 +7474,6 @@
 </p:sld>
 </file>
 
-<file path=ppt/slides/slide19.xml><?xml version="1.0" encoding="utf-8"?>
-<p:sld xmlns:a="http://schemas.openxmlformats.org/drawingml/2006/main" xmlns:r="http://schemas.openxmlformats.org/officeDocument/2006/relationships" xmlns:p="http://schemas.openxmlformats.org/presentationml/2006/main">
-  <p:cSld>
-    <p:spTree>
-      <p:nvGrpSpPr>
-        <p:cNvPr id="1" name=""/>
-        <p:cNvGrpSpPr/>
-        <p:nvPr/>
-      </p:nvGrpSpPr>
-      <p:grpSpPr>
-        <a:xfrm>
-          <a:off x="0" y="0"/>
-          <a:ext cx="0" cy="0"/>
-          <a:chOff x="0" y="0"/>
-          <a:chExt cx="0" cy="0"/>
-        </a:xfrm>
-      </p:grpSpPr>
-      <p:sp>
-        <p:nvSpPr>
-          <p:cNvPr id="4" name="Title 3"/>
-          <p:cNvSpPr>
-            <a:spLocks noGrp="1"/>
-          </p:cNvSpPr>
-          <p:nvPr>
-            <p:ph type="title"/>
-          </p:nvPr>
-        </p:nvSpPr>
-        <p:spPr/>
-        <p:txBody>
-          <a:bodyPr/>
-          <a:lstStyle/>
-          <a:p>
-            <a:r>
-              <a:rPr lang="en-US" dirty="0" smtClean="0"/>
-              <a:t>Lab</a:t>
-            </a:r>
-            <a:endParaRPr lang="en-US" dirty="0"/>
-          </a:p>
-        </p:txBody>
-      </p:sp>
-      <p:sp>
-        <p:nvSpPr>
-          <p:cNvPr id="5" name="Content Placeholder 4"/>
-          <p:cNvSpPr>
-            <a:spLocks noGrp="1"/>
-          </p:cNvSpPr>
-          <p:nvPr>
-            <p:ph idx="1"/>
-          </p:nvPr>
-        </p:nvSpPr>
-        <p:spPr/>
-        <p:txBody>
-          <a:bodyPr/>
-          <a:lstStyle/>
-          <a:p>
-            <a:r>
-              <a:rPr lang="en-US" dirty="0" smtClean="0"/>
-              <a:t>Make the USF homepage:</a:t>
-            </a:r>
-            <a:endParaRPr lang="en-US" dirty="0" smtClean="0">
-              <a:hlinkClick r:id="rId2"/>
-            </a:endParaRPr>
-          </a:p>
-          <a:p>
-            <a:r>
-              <a:rPr lang="en-US" dirty="0" smtClean="0">
-                <a:hlinkClick r:id="rId2"/>
-              </a:rPr>
-              <a:t>http://dl.dropbox.com/u/41609448/art329/slides/classten/usiouxfallsedu.zip</a:t>
-            </a:r>
-            <a:endParaRPr lang="en-US" dirty="0" smtClean="0"/>
-          </a:p>
-        </p:txBody>
-      </p:sp>
-    </p:spTree>
-    <p:extLst>
-      <p:ext uri="{BB962C8B-B14F-4D97-AF65-F5344CB8AC3E}">
-        <p14:creationId xmlns:p14="http://schemas.microsoft.com/office/powerpoint/2010/main" val="697927638"/>
-      </p:ext>
-    </p:extLst>
-  </p:cSld>
-  <p:clrMapOvr>
-    <a:masterClrMapping/>
-  </p:clrMapOvr>
-</p:sld>
-</file>
-
 <file path=ppt/slides/slide2.xml><?xml version="1.0" encoding="utf-8"?>
 <p:sld xmlns:a="http://schemas.openxmlformats.org/drawingml/2006/main" xmlns:r="http://schemas.openxmlformats.org/officeDocument/2006/relationships" xmlns:p="http://schemas.openxmlformats.org/presentationml/2006/main">
   <p:cSld>
@@ -7424,6 +7547,17 @@
               <a:rPr lang="en-US" dirty="0" smtClean="0"/>
               <a:t>Quiz</a:t>
             </a:r>
+          </a:p>
+          <a:p>
+            <a:pPr>
+              <a:buFont typeface="Wingdings" charset="2"/>
+              <a:buChar char="v"/>
+            </a:pPr>
+            <a:r>
+              <a:rPr lang="en-US" dirty="0" smtClean="0"/>
+              <a:t>Homework review</a:t>
+            </a:r>
+            <a:endParaRPr lang="en-US" dirty="0" smtClean="0"/>
           </a:p>
           <a:p>
             <a:pPr>
@@ -7500,6 +7634,93 @@
       </p:grpSpPr>
       <p:sp>
         <p:nvSpPr>
+          <p:cNvPr id="4" name="Title 3"/>
+          <p:cNvSpPr>
+            <a:spLocks noGrp="1"/>
+          </p:cNvSpPr>
+          <p:nvPr>
+            <p:ph type="title"/>
+          </p:nvPr>
+        </p:nvSpPr>
+        <p:spPr/>
+        <p:txBody>
+          <a:bodyPr/>
+          <a:lstStyle/>
+          <a:p>
+            <a:r>
+              <a:rPr lang="en-US" dirty="0" smtClean="0"/>
+              <a:t>Lab</a:t>
+            </a:r>
+            <a:endParaRPr lang="en-US" dirty="0"/>
+          </a:p>
+        </p:txBody>
+      </p:sp>
+      <p:sp>
+        <p:nvSpPr>
+          <p:cNvPr id="5" name="Content Placeholder 4"/>
+          <p:cNvSpPr>
+            <a:spLocks noGrp="1"/>
+          </p:cNvSpPr>
+          <p:nvPr>
+            <p:ph idx="1"/>
+          </p:nvPr>
+        </p:nvSpPr>
+        <p:spPr/>
+        <p:txBody>
+          <a:bodyPr/>
+          <a:lstStyle/>
+          <a:p>
+            <a:r>
+              <a:rPr lang="en-US" dirty="0" smtClean="0"/>
+              <a:t>Make the USF homepage:</a:t>
+            </a:r>
+            <a:endParaRPr lang="en-US" dirty="0" smtClean="0">
+              <a:hlinkClick r:id="rId2"/>
+            </a:endParaRPr>
+          </a:p>
+          <a:p>
+            <a:r>
+              <a:rPr lang="en-US" dirty="0" smtClean="0">
+                <a:hlinkClick r:id="rId2"/>
+              </a:rPr>
+              <a:t>http://dl.dropbox.com/u/41609448/art329/slides/classten/usiouxfallsedu.zip</a:t>
+            </a:r>
+            <a:endParaRPr lang="en-US" dirty="0" smtClean="0"/>
+          </a:p>
+        </p:txBody>
+      </p:sp>
+    </p:spTree>
+    <p:extLst>
+      <p:ext uri="{BB962C8B-B14F-4D97-AF65-F5344CB8AC3E}">
+        <p14:creationId xmlns:p14="http://schemas.microsoft.com/office/powerpoint/2010/main" val="697927638"/>
+      </p:ext>
+    </p:extLst>
+  </p:cSld>
+  <p:clrMapOvr>
+    <a:masterClrMapping/>
+  </p:clrMapOvr>
+</p:sld>
+</file>
+
+<file path=ppt/slides/slide21.xml><?xml version="1.0" encoding="utf-8"?>
+<p:sld xmlns:a="http://schemas.openxmlformats.org/drawingml/2006/main" xmlns:r="http://schemas.openxmlformats.org/officeDocument/2006/relationships" xmlns:p="http://schemas.openxmlformats.org/presentationml/2006/main">
+  <p:cSld>
+    <p:spTree>
+      <p:nvGrpSpPr>
+        <p:cNvPr id="1" name=""/>
+        <p:cNvGrpSpPr/>
+        <p:nvPr/>
+      </p:nvGrpSpPr>
+      <p:grpSpPr>
+        <a:xfrm>
+          <a:off x="0" y="0"/>
+          <a:ext cx="0" cy="0"/>
+          <a:chOff x="0" y="0"/>
+          <a:chExt cx="0" cy="0"/>
+        </a:xfrm>
+      </p:grpSpPr>
+      <p:sp>
+        <p:nvSpPr>
           <p:cNvPr id="9" name="Title 8"/>
           <p:cNvSpPr>
             <a:spLocks noGrp="1"/>
@@ -7733,7 +7954,7 @@
           <a:p>
             <a:r>
               <a:rPr lang="en-US" dirty="0" smtClean="0"/>
-              <a:t>Website Autopsy</a:t>
+              <a:t>Homework Review</a:t>
             </a:r>
             <a:endParaRPr lang="en-US" dirty="0"/>
           </a:p>
@@ -7799,7 +8020,7 @@
       </p:grpSpPr>
       <p:sp>
         <p:nvSpPr>
-          <p:cNvPr id="3" name="Title 2"/>
+          <p:cNvPr id="2" name="Title 1"/>
           <p:cNvSpPr>
             <a:spLocks noGrp="1"/>
           </p:cNvSpPr>
@@ -7814,7 +8035,7 @@
           <a:p>
             <a:r>
               <a:rPr lang="en-US" dirty="0" smtClean="0"/>
-              <a:t>Break</a:t>
+              <a:t>Website Autopsy</a:t>
             </a:r>
             <a:endParaRPr lang="en-US" dirty="0"/>
           </a:p>
@@ -7822,27 +8043,29 @@
       </p:sp>
       <p:sp>
         <p:nvSpPr>
-          <p:cNvPr id="4" name="Text Placeholder 3"/>
-          <p:cNvSpPr>
-            <a:spLocks noGrp="1"/>
-          </p:cNvSpPr>
-          <p:nvPr>
-            <p:ph type="body" idx="1"/>
-          </p:nvPr>
-        </p:nvSpPr>
-        <p:spPr/>
-        <p:txBody>
-          <a:bodyPr/>
-          <a:lstStyle/>
-          <a:p>
-            <a:endParaRPr lang="en-US"/>
+          <p:cNvPr id="3" name="Content Placeholder 2"/>
+          <p:cNvSpPr>
+            <a:spLocks noGrp="1"/>
+          </p:cNvSpPr>
+          <p:nvPr>
+            <p:ph idx="1"/>
+          </p:nvPr>
+        </p:nvSpPr>
+        <p:spPr/>
+        <p:txBody>
+          <a:bodyPr>
+            <a:normAutofit/>
+          </a:bodyPr>
+          <a:lstStyle/>
+          <a:p>
+            <a:endParaRPr lang="en-US" dirty="0"/>
           </a:p>
         </p:txBody>
       </p:sp>
     </p:spTree>
     <p:extLst>
       <p:ext uri="{BB962C8B-B14F-4D97-AF65-F5344CB8AC3E}">
-        <p14:creationId xmlns:p14="http://schemas.microsoft.com/office/powerpoint/2010/main" val="2351248437"/>
+        <p14:creationId xmlns:p14="http://schemas.microsoft.com/office/powerpoint/2010/main" val="3758448585"/>
       </p:ext>
     </p:extLst>
   </p:cSld>
@@ -7878,7 +8101,7 @@
       </p:grpSpPr>
       <p:sp>
         <p:nvSpPr>
-          <p:cNvPr id="2" name="Title 1"/>
+          <p:cNvPr id="3" name="Title 2"/>
           <p:cNvSpPr>
             <a:spLocks noGrp="1"/>
           </p:cNvSpPr>
@@ -7893,7 +8116,7 @@
           <a:p>
             <a:r>
               <a:rPr lang="en-US" dirty="0" smtClean="0"/>
-              <a:t>The Chapter</a:t>
+              <a:t>Break</a:t>
             </a:r>
             <a:endParaRPr lang="en-US" dirty="0"/>
           </a:p>
@@ -7901,52 +8124,27 @@
       </p:sp>
       <p:sp>
         <p:nvSpPr>
-          <p:cNvPr id="3" name="Content Placeholder 2"/>
-          <p:cNvSpPr>
-            <a:spLocks noGrp="1"/>
-          </p:cNvSpPr>
-          <p:nvPr>
-            <p:ph sz="quarter" idx="13"/>
-          </p:nvPr>
-        </p:nvSpPr>
-        <p:spPr/>
-        <p:txBody>
-          <a:bodyPr/>
-          <a:lstStyle/>
-          <a:p>
-            <a:pPr marL="0" indent="0">
-              <a:buNone/>
-            </a:pPr>
-            <a:endParaRPr lang="en-US" dirty="0" smtClean="0"/>
-          </a:p>
-        </p:txBody>
-      </p:sp>
-      <p:sp>
-        <p:nvSpPr>
-          <p:cNvPr id="4" name="Content Placeholder 3"/>
-          <p:cNvSpPr>
-            <a:spLocks noGrp="1"/>
-          </p:cNvSpPr>
-          <p:nvPr>
-            <p:ph sz="quarter" idx="14"/>
-          </p:nvPr>
-        </p:nvSpPr>
-        <p:spPr/>
-        <p:txBody>
-          <a:bodyPr/>
-          <a:lstStyle/>
-          <a:p>
-            <a:pPr marL="0" indent="0">
-              <a:buNone/>
-            </a:pPr>
-            <a:endParaRPr lang="en-US" dirty="0" smtClean="0"/>
+          <p:cNvPr id="4" name="Text Placeholder 3"/>
+          <p:cNvSpPr>
+            <a:spLocks noGrp="1"/>
+          </p:cNvSpPr>
+          <p:nvPr>
+            <p:ph type="body" idx="1"/>
+          </p:nvPr>
+        </p:nvSpPr>
+        <p:spPr/>
+        <p:txBody>
+          <a:bodyPr/>
+          <a:lstStyle/>
+          <a:p>
+            <a:endParaRPr lang="en-US"/>
           </a:p>
         </p:txBody>
       </p:sp>
     </p:spTree>
     <p:extLst>
       <p:ext uri="{BB962C8B-B14F-4D97-AF65-F5344CB8AC3E}">
-        <p14:creationId xmlns:p14="http://schemas.microsoft.com/office/powerpoint/2010/main" val="3633167769"/>
+        <p14:creationId xmlns:p14="http://schemas.microsoft.com/office/powerpoint/2010/main" val="2351248437"/>
       </p:ext>
     </p:extLst>
   </p:cSld>
@@ -7997,7 +8195,7 @@
           <a:p>
             <a:r>
               <a:rPr lang="en-US" dirty="0" smtClean="0"/>
-              <a:t>Accessibility</a:t>
+              <a:t>The Chapter</a:t>
             </a:r>
             <a:endParaRPr lang="en-US" dirty="0"/>
           </a:p>
@@ -8018,7 +8216,10 @@
           <a:bodyPr/>
           <a:lstStyle/>
           <a:p>
-            <a:endParaRPr lang="en-US"/>
+            <a:pPr marL="0" indent="0">
+              <a:buNone/>
+            </a:pPr>
+            <a:endParaRPr lang="en-US" dirty="0" smtClean="0"/>
           </a:p>
         </p:txBody>
       </p:sp>
@@ -8037,30 +8238,30 @@
           <a:bodyPr/>
           <a:lstStyle/>
           <a:p>
-            <a:r>
-              <a:rPr lang="en-US" dirty="0" smtClean="0"/>
-              <a:t>Make your site work for everyone</a:t>
-            </a:r>
-          </a:p>
-          <a:p>
-            <a:r>
-              <a:rPr lang="en-US" dirty="0" smtClean="0"/>
-              <a:t>Think about how disabilities affect the experience</a:t>
-            </a:r>
-            <a:endParaRPr lang="en-US" dirty="0"/>
+            <a:pPr marL="0" indent="0">
+              <a:buNone/>
+            </a:pPr>
+            <a:endParaRPr lang="en-US" dirty="0" smtClean="0"/>
           </a:p>
         </p:txBody>
       </p:sp>
     </p:spTree>
     <p:extLst>
       <p:ext uri="{BB962C8B-B14F-4D97-AF65-F5344CB8AC3E}">
-        <p14:creationId xmlns:p14="http://schemas.microsoft.com/office/powerpoint/2010/main" val="3967629047"/>
+        <p14:creationId xmlns:p14="http://schemas.microsoft.com/office/powerpoint/2010/main" val="3633167769"/>
       </p:ext>
     </p:extLst>
   </p:cSld>
   <p:clrMapOvr>
     <a:masterClrMapping/>
   </p:clrMapOvr>
+  <p:timing>
+    <p:tnLst>
+      <p:par>
+        <p:cTn xmlns:p14="http://schemas.microsoft.com/office/powerpoint/2010/main" id="1" dur="indefinite" restart="never" nodeType="tmRoot"/>
+      </p:par>
+    </p:tnLst>
+  </p:timing>
 </p:sld>
 </file>
 
@@ -8098,7 +8299,7 @@
           <a:p>
             <a:r>
               <a:rPr lang="en-US" dirty="0" smtClean="0"/>
-              <a:t>Screen Readers</a:t>
+              <a:t>Accessibility</a:t>
             </a:r>
             <a:endParaRPr lang="en-US" dirty="0"/>
           </a:p>
@@ -8119,29 +8320,7 @@
           <a:bodyPr/>
           <a:lstStyle/>
           <a:p>
-            <a:r>
-              <a:rPr lang="en-US" dirty="0"/>
-              <a:t>Tool that literally reads a webpage out loud for those with visual </a:t>
-            </a:r>
-            <a:r>
-              <a:rPr lang="en-US" dirty="0" smtClean="0"/>
-              <a:t>disabilities</a:t>
-            </a:r>
-          </a:p>
-          <a:p>
-            <a:r>
-              <a:rPr lang="en-US" dirty="0" smtClean="0"/>
-              <a:t>JAWS on Windows or </a:t>
-            </a:r>
-            <a:r>
-              <a:rPr lang="en-US" dirty="0" err="1" smtClean="0"/>
-              <a:t>VoiceOver</a:t>
-            </a:r>
-            <a:r>
-              <a:rPr lang="en-US" dirty="0" smtClean="0"/>
-              <a:t> on Mac</a:t>
-            </a:r>
-            <a:endParaRPr lang="en-US" dirty="0"/>
+            <a:endParaRPr lang="en-US"/>
           </a:p>
         </p:txBody>
       </p:sp>
@@ -8160,6 +8339,16 @@
           <a:bodyPr/>
           <a:lstStyle/>
           <a:p>
+            <a:r>
+              <a:rPr lang="en-US" dirty="0" smtClean="0"/>
+              <a:t>Make your site work for everyone</a:t>
+            </a:r>
+          </a:p>
+          <a:p>
+            <a:r>
+              <a:rPr lang="en-US" dirty="0" smtClean="0"/>
+              <a:t>Think about how disabilities affect the experience</a:t>
+            </a:r>
             <a:endParaRPr lang="en-US" dirty="0"/>
           </a:p>
         </p:txBody>
@@ -8167,7 +8356,7 @@
     </p:spTree>
     <p:extLst>
       <p:ext uri="{BB962C8B-B14F-4D97-AF65-F5344CB8AC3E}">
-        <p14:creationId xmlns:p14="http://schemas.microsoft.com/office/powerpoint/2010/main" val="2709056471"/>
+        <p14:creationId xmlns:p14="http://schemas.microsoft.com/office/powerpoint/2010/main" val="3967629047"/>
       </p:ext>
     </p:extLst>
   </p:cSld>

--- a/slides/classtwelve/slides.pptx
+++ b/slides/classtwelve/slides.pptx
@@ -7557,7 +7557,6 @@
               <a:rPr lang="en-US" dirty="0" smtClean="0"/>
               <a:t>Homework review</a:t>
             </a:r>
-            <a:endParaRPr lang="en-US" dirty="0" smtClean="0"/>
           </a:p>
           <a:p>
             <a:pPr>
@@ -8057,6 +8056,66 @@
             <a:normAutofit/>
           </a:bodyPr>
           <a:lstStyle/>
+          <a:p>
+            <a:r>
+              <a:rPr lang="en-US" dirty="0">
+                <a:hlinkClick r:id="rId3"/>
+              </a:rPr>
+              <a:t>http://ge.ecomagination.com/smartgrid/#/</a:t>
+            </a:r>
+            <a:r>
+              <a:rPr lang="en-US" dirty="0" smtClean="0">
+                <a:hlinkClick r:id="rId3"/>
+              </a:rPr>
+              <a:t>landing_page</a:t>
+            </a:r>
+            <a:endParaRPr lang="en-US" dirty="0" smtClean="0"/>
+          </a:p>
+          <a:p>
+            <a:r>
+              <a:rPr lang="en-US" dirty="0">
+                <a:hlinkClick r:id="rId4"/>
+              </a:rPr>
+              <a:t>http://www.sdaf.org</a:t>
+            </a:r>
+            <a:r>
+              <a:rPr lang="en-US" dirty="0" smtClean="0">
+                <a:hlinkClick r:id="rId4"/>
+              </a:rPr>
+              <a:t>/</a:t>
+            </a:r>
+            <a:endParaRPr lang="en-US" dirty="0" smtClean="0"/>
+          </a:p>
+          <a:p>
+            <a:r>
+              <a:rPr lang="en-US" dirty="0">
+                <a:hlinkClick r:id="rId5"/>
+              </a:rPr>
+              <a:t>http://aol.sportingnews.com</a:t>
+            </a:r>
+            <a:r>
+              <a:rPr lang="en-US" dirty="0" smtClean="0">
+                <a:hlinkClick r:id="rId5"/>
+              </a:rPr>
+              <a:t>/</a:t>
+            </a:r>
+            <a:endParaRPr lang="en-US" dirty="0" smtClean="0"/>
+          </a:p>
+          <a:p>
+            <a:r>
+              <a:rPr lang="en-US" dirty="0">
+                <a:hlinkClick r:id="rId6"/>
+              </a:rPr>
+              <a:t>http://www.boston.com/bigpicture/2011/11/</a:t>
+            </a:r>
+            <a:r>
+              <a:rPr lang="en-US" dirty="0" smtClean="0">
+                <a:hlinkClick r:id="rId6"/>
+              </a:rPr>
+              <a:t>christmas_approaches.html</a:t>
+            </a:r>
+            <a:endParaRPr lang="en-US" dirty="0" smtClean="0"/>
+          </a:p>
           <a:p>
             <a:endParaRPr lang="en-US" dirty="0"/>
           </a:p>
